--- a/CD_ppt_group_2_CSE_1.pptx
+++ b/CD_ppt_group_2_CSE_1.pptx
@@ -27,10 +27,10 @@
     <p:sldId id="271" r:id="rId18"/>
     <p:sldId id="286" r:id="rId19"/>
     <p:sldId id="287" r:id="rId20"/>
-    <p:sldId id="272" r:id="rId21"/>
-    <p:sldId id="275" r:id="rId22"/>
-    <p:sldId id="276" r:id="rId23"/>
-    <p:sldId id="277" r:id="rId24"/>
+    <p:sldId id="277" r:id="rId21"/>
+    <p:sldId id="272" r:id="rId22"/>
+    <p:sldId id="275" r:id="rId23"/>
+    <p:sldId id="276" r:id="rId24"/>
     <p:sldId id="288" r:id="rId25"/>
     <p:sldId id="280" r:id="rId26"/>
   </p:sldIdLst>
@@ -1525,6 +1525,110 @@
   <p:cSld>
     <p:spTree>
       <p:nvGrpSpPr>
+        <p:cNvPr id="1" name="Shape 207"/>
+        <p:cNvGrpSpPr/>
+        <p:nvPr/>
+      </p:nvGrpSpPr>
+      <p:grpSpPr>
+        <a:xfrm>
+          <a:off x="0" y="0"/>
+          <a:ext cx="0" cy="0"/>
+          <a:chOff x="0" y="0"/>
+          <a:chExt cx="0" cy="0"/>
+        </a:xfrm>
+      </p:grpSpPr>
+      <p:sp>
+        <p:nvSpPr>
+          <p:cNvPr id="208" name="Google Shape;208;gab1012443e_0_74:notes"/>
+          <p:cNvSpPr>
+            <a:spLocks noGrp="1" noRot="1" noChangeAspect="1"/>
+          </p:cNvSpPr>
+          <p:nvPr>
+            <p:ph type="sldImg" idx="2"/>
+          </p:nvPr>
+        </p:nvSpPr>
+        <p:spPr>
+          <a:xfrm>
+            <a:off x="381000" y="685800"/>
+            <a:ext cx="6096000" cy="3429000"/>
+          </a:xfrm>
+          <a:custGeom>
+            <a:avLst/>
+            <a:gdLst/>
+            <a:ahLst/>
+            <a:cxnLst/>
+            <a:rect l="l" t="t" r="r" b="b"/>
+            <a:pathLst>
+              <a:path w="120000" h="120000" extrusionOk="0">
+                <a:moveTo>
+                  <a:pt x="0" y="0"/>
+                </a:moveTo>
+                <a:lnTo>
+                  <a:pt x="120000" y="0"/>
+                </a:lnTo>
+                <a:lnTo>
+                  <a:pt x="120000" y="120000"/>
+                </a:lnTo>
+                <a:lnTo>
+                  <a:pt x="0" y="120000"/>
+                </a:lnTo>
+                <a:close/>
+              </a:path>
+            </a:pathLst>
+          </a:custGeom>
+        </p:spPr>
+      </p:sp>
+      <p:sp>
+        <p:nvSpPr>
+          <p:cNvPr id="209" name="Google Shape;209;gab1012443e_0_74:notes"/>
+          <p:cNvSpPr txBox="1">
+            <a:spLocks noGrp="1"/>
+          </p:cNvSpPr>
+          <p:nvPr>
+            <p:ph type="body" idx="1"/>
+          </p:nvPr>
+        </p:nvSpPr>
+        <p:spPr>
+          <a:xfrm>
+            <a:off x="685800" y="4343400"/>
+            <a:ext cx="5486400" cy="4114800"/>
+          </a:xfrm>
+          <a:prstGeom prst="rect">
+            <a:avLst/>
+          </a:prstGeom>
+        </p:spPr>
+        <p:txBody>
+          <a:bodyPr spcFirstLastPara="1" wrap="square" lIns="91425" tIns="91425" rIns="91425" bIns="91425" anchor="t" anchorCtr="0">
+            <a:noAutofit/>
+          </a:bodyPr>
+          <a:lstStyle/>
+          <a:p>
+            <a:pPr marL="0" lvl="0" indent="0" algn="l" rtl="0">
+              <a:spcBef>
+                <a:spcPts val="0"/>
+              </a:spcBef>
+              <a:spcAft>
+                <a:spcPts val="0"/>
+              </a:spcAft>
+              <a:buNone/>
+            </a:pPr>
+            <a:endParaRPr/>
+          </a:p>
+        </p:txBody>
+      </p:sp>
+    </p:spTree>
+  </p:cSld>
+  <p:clrMapOvr>
+    <a:masterClrMapping/>
+  </p:clrMapOvr>
+</p:notes>
+</file>
+
+<file path=ppt/notesSlides/notesSlide15.xml><?xml version="1.0" encoding="utf-8"?>
+<p:notes xmlns:a="http://schemas.openxmlformats.org/drawingml/2006/main" xmlns:r="http://schemas.openxmlformats.org/officeDocument/2006/relationships" xmlns:p="http://schemas.openxmlformats.org/presentationml/2006/main" showMasterSp="0" showMasterPhAnim="0">
+  <p:cSld>
+    <p:spTree>
+      <p:nvGrpSpPr>
         <p:cNvPr id="1" name="Shape 168"/>
         <p:cNvGrpSpPr/>
         <p:nvPr/>
@@ -1642,7 +1746,7 @@
 </p:notes>
 </file>
 
-<file path=ppt/notesSlides/notesSlide15.xml><?xml version="1.0" encoding="utf-8"?>
+<file path=ppt/notesSlides/notesSlide16.xml><?xml version="1.0" encoding="utf-8"?>
 <p:notes xmlns:a="http://schemas.openxmlformats.org/drawingml/2006/main" xmlns:r="http://schemas.openxmlformats.org/officeDocument/2006/relationships" xmlns:p="http://schemas.openxmlformats.org/presentationml/2006/main" showMasterSp="0" showMasterPhAnim="0">
   <p:cSld>
     <p:spTree>
@@ -1746,7 +1850,7 @@
 </p:notes>
 </file>
 
-<file path=ppt/notesSlides/notesSlide16.xml><?xml version="1.0" encoding="utf-8"?>
+<file path=ppt/notesSlides/notesSlide17.xml><?xml version="1.0" encoding="utf-8"?>
 <p:notes xmlns:a="http://schemas.openxmlformats.org/drawingml/2006/main" xmlns:r="http://schemas.openxmlformats.org/officeDocument/2006/relationships" xmlns:p="http://schemas.openxmlformats.org/presentationml/2006/main" showMasterSp="0" showMasterPhAnim="0">
   <p:cSld>
     <p:spTree>
@@ -1807,110 +1911,6 @@
       <p:sp>
         <p:nvSpPr>
           <p:cNvPr id="202" name="Google Shape;202;gab1012443e_0_12:notes"/>
-          <p:cNvSpPr txBox="1">
-            <a:spLocks noGrp="1"/>
-          </p:cNvSpPr>
-          <p:nvPr>
-            <p:ph type="body" idx="1"/>
-          </p:nvPr>
-        </p:nvSpPr>
-        <p:spPr>
-          <a:xfrm>
-            <a:off x="685800" y="4343400"/>
-            <a:ext cx="5486400" cy="4114800"/>
-          </a:xfrm>
-          <a:prstGeom prst="rect">
-            <a:avLst/>
-          </a:prstGeom>
-        </p:spPr>
-        <p:txBody>
-          <a:bodyPr spcFirstLastPara="1" wrap="square" lIns="91425" tIns="91425" rIns="91425" bIns="91425" anchor="t" anchorCtr="0">
-            <a:noAutofit/>
-          </a:bodyPr>
-          <a:lstStyle/>
-          <a:p>
-            <a:pPr marL="0" lvl="0" indent="0" algn="l" rtl="0">
-              <a:spcBef>
-                <a:spcPts val="0"/>
-              </a:spcBef>
-              <a:spcAft>
-                <a:spcPts val="0"/>
-              </a:spcAft>
-              <a:buNone/>
-            </a:pPr>
-            <a:endParaRPr/>
-          </a:p>
-        </p:txBody>
-      </p:sp>
-    </p:spTree>
-  </p:cSld>
-  <p:clrMapOvr>
-    <a:masterClrMapping/>
-  </p:clrMapOvr>
-</p:notes>
-</file>
-
-<file path=ppt/notesSlides/notesSlide17.xml><?xml version="1.0" encoding="utf-8"?>
-<p:notes xmlns:a="http://schemas.openxmlformats.org/drawingml/2006/main" xmlns:r="http://schemas.openxmlformats.org/officeDocument/2006/relationships" xmlns:p="http://schemas.openxmlformats.org/presentationml/2006/main" showMasterSp="0" showMasterPhAnim="0">
-  <p:cSld>
-    <p:spTree>
-      <p:nvGrpSpPr>
-        <p:cNvPr id="1" name="Shape 207"/>
-        <p:cNvGrpSpPr/>
-        <p:nvPr/>
-      </p:nvGrpSpPr>
-      <p:grpSpPr>
-        <a:xfrm>
-          <a:off x="0" y="0"/>
-          <a:ext cx="0" cy="0"/>
-          <a:chOff x="0" y="0"/>
-          <a:chExt cx="0" cy="0"/>
-        </a:xfrm>
-      </p:grpSpPr>
-      <p:sp>
-        <p:nvSpPr>
-          <p:cNvPr id="208" name="Google Shape;208;gab1012443e_0_74:notes"/>
-          <p:cNvSpPr>
-            <a:spLocks noGrp="1" noRot="1" noChangeAspect="1"/>
-          </p:cNvSpPr>
-          <p:nvPr>
-            <p:ph type="sldImg" idx="2"/>
-          </p:nvPr>
-        </p:nvSpPr>
-        <p:spPr>
-          <a:xfrm>
-            <a:off x="381000" y="685800"/>
-            <a:ext cx="6096000" cy="3429000"/>
-          </a:xfrm>
-          <a:custGeom>
-            <a:avLst/>
-            <a:gdLst/>
-            <a:ahLst/>
-            <a:cxnLst/>
-            <a:rect l="l" t="t" r="r" b="b"/>
-            <a:pathLst>
-              <a:path w="120000" h="120000" extrusionOk="0">
-                <a:moveTo>
-                  <a:pt x="0" y="0"/>
-                </a:moveTo>
-                <a:lnTo>
-                  <a:pt x="120000" y="0"/>
-                </a:lnTo>
-                <a:lnTo>
-                  <a:pt x="120000" y="120000"/>
-                </a:lnTo>
-                <a:lnTo>
-                  <a:pt x="0" y="120000"/>
-                </a:lnTo>
-                <a:close/>
-              </a:path>
-            </a:pathLst>
-          </a:custGeom>
-        </p:spPr>
-      </p:sp>
-      <p:sp>
-        <p:nvSpPr>
-          <p:cNvPr id="209" name="Google Shape;209;gab1012443e_0_74:notes"/>
           <p:cNvSpPr txBox="1">
             <a:spLocks noGrp="1"/>
           </p:cNvSpPr>
@@ -9095,7 +9095,7 @@
         </p:nvSpPr>
         <p:spPr>
           <a:xfrm>
-            <a:off x="671803" y="1393066"/>
+            <a:off x="671803" y="1019841"/>
             <a:ext cx="7875037" cy="3216256"/>
           </a:xfrm>
         </p:spPr>
@@ -11194,6 +11194,411 @@
   <p:cSld>
     <p:spTree>
       <p:nvGrpSpPr>
+        <p:cNvPr id="1" name="Shape 210"/>
+        <p:cNvGrpSpPr/>
+        <p:nvPr/>
+      </p:nvGrpSpPr>
+      <p:grpSpPr>
+        <a:xfrm>
+          <a:off x="0" y="0"/>
+          <a:ext cx="0" cy="0"/>
+          <a:chOff x="0" y="0"/>
+          <a:chExt cx="0" cy="0"/>
+        </a:xfrm>
+      </p:grpSpPr>
+      <p:sp>
+        <p:nvSpPr>
+          <p:cNvPr id="211" name="Google Shape;211;p26"/>
+          <p:cNvSpPr txBox="1">
+            <a:spLocks noGrp="1"/>
+          </p:cNvSpPr>
+          <p:nvPr>
+            <p:ph type="ctrTitle"/>
+          </p:nvPr>
+        </p:nvSpPr>
+        <p:spPr>
+          <a:xfrm>
+            <a:off x="1672875" y="458325"/>
+            <a:ext cx="5544000" cy="2113500"/>
+          </a:xfrm>
+          <a:prstGeom prst="rect">
+            <a:avLst/>
+          </a:prstGeom>
+        </p:spPr>
+        <p:txBody>
+          <a:bodyPr spcFirstLastPara="1" wrap="square" lIns="91425" tIns="91425" rIns="91425" bIns="91425" anchor="b" anchorCtr="0">
+            <a:noAutofit/>
+          </a:bodyPr>
+          <a:lstStyle/>
+          <a:p>
+            <a:pPr marL="0" lvl="0" indent="0" algn="ctr" rtl="0">
+              <a:spcBef>
+                <a:spcPts val="0"/>
+              </a:spcBef>
+              <a:spcAft>
+                <a:spcPts val="0"/>
+              </a:spcAft>
+              <a:buNone/>
+            </a:pPr>
+            <a:r>
+              <a:rPr lang="en-US" sz="3200" b="1" dirty="0">
+                <a:solidFill>
+                  <a:srgbClr val="00B0F0"/>
+                </a:solidFill>
+                <a:latin typeface="Bodoni"/>
+                <a:ea typeface="Bodoni"/>
+                <a:cs typeface="Times New Roman" panose="02020603050405020304" pitchFamily="18" charset="0"/>
+                <a:sym typeface="Bodoni"/>
+              </a:rPr>
+              <a:t>FILE STRUCTURE OF PROJECT :-</a:t>
+            </a:r>
+            <a:endParaRPr sz="3200" b="1" dirty="0">
+              <a:solidFill>
+                <a:srgbClr val="00B0F0"/>
+              </a:solidFill>
+              <a:latin typeface="Bodoni"/>
+              <a:ea typeface="Bodoni"/>
+              <a:cs typeface="Times New Roman" panose="02020603050405020304" pitchFamily="18" charset="0"/>
+              <a:sym typeface="Bodoni"/>
+            </a:endParaRPr>
+          </a:p>
+          <a:p>
+            <a:pPr marL="0" lvl="0" indent="0" algn="ctr" rtl="0">
+              <a:spcBef>
+                <a:spcPts val="0"/>
+              </a:spcBef>
+              <a:spcAft>
+                <a:spcPts val="0"/>
+              </a:spcAft>
+              <a:buNone/>
+            </a:pPr>
+            <a:endParaRPr dirty="0"/>
+          </a:p>
+        </p:txBody>
+      </p:sp>
+      <p:sp>
+        <p:nvSpPr>
+          <p:cNvPr id="212" name="Google Shape;212;p26"/>
+          <p:cNvSpPr txBox="1">
+            <a:spLocks noGrp="1"/>
+          </p:cNvSpPr>
+          <p:nvPr>
+            <p:ph type="sldNum" idx="12"/>
+          </p:nvPr>
+        </p:nvSpPr>
+        <p:spPr>
+          <a:xfrm>
+            <a:off x="4348076" y="4726751"/>
+            <a:ext cx="548700" cy="299100"/>
+          </a:xfrm>
+          <a:prstGeom prst="rect">
+            <a:avLst/>
+          </a:prstGeom>
+        </p:spPr>
+        <p:txBody>
+          <a:bodyPr spcFirstLastPara="1" wrap="square" lIns="91425" tIns="91425" rIns="91425" bIns="91425" anchor="t" anchorCtr="0">
+            <a:noAutofit/>
+          </a:bodyPr>
+          <a:lstStyle/>
+          <a:p>
+            <a:pPr marL="0" lvl="0" indent="0" algn="ctr" rtl="0">
+              <a:spcBef>
+                <a:spcPts val="0"/>
+              </a:spcBef>
+              <a:spcAft>
+                <a:spcPts val="0"/>
+              </a:spcAft>
+              <a:buClr>
+                <a:srgbClr val="000000"/>
+              </a:buClr>
+              <a:buSzPts val="1300"/>
+              <a:buFont typeface="Arial"/>
+              <a:buNone/>
+            </a:pPr>
+            <a:fld id="{00000000-1234-1234-1234-123412341234}" type="slidenum">
+              <a:rPr lang="en-US"/>
+              <a:pPr marL="0" lvl="0" indent="0" algn="ctr" rtl="0">
+                <a:spcBef>
+                  <a:spcPts val="0"/>
+                </a:spcBef>
+                <a:spcAft>
+                  <a:spcPts val="0"/>
+                </a:spcAft>
+                <a:buClr>
+                  <a:srgbClr val="000000"/>
+                </a:buClr>
+                <a:buSzPts val="1300"/>
+                <a:buFont typeface="Arial"/>
+                <a:buNone/>
+              </a:pPr>
+              <a:t>20</a:t>
+            </a:fld>
+            <a:endParaRPr/>
+          </a:p>
+        </p:txBody>
+      </p:sp>
+      <p:sp>
+        <p:nvSpPr>
+          <p:cNvPr id="213" name="Google Shape;213;p26"/>
+          <p:cNvSpPr txBox="1"/>
+          <p:nvPr/>
+        </p:nvSpPr>
+        <p:spPr>
+          <a:xfrm>
+            <a:off x="846025" y="1928475"/>
+            <a:ext cx="7906200" cy="3686700"/>
+          </a:xfrm>
+          <a:prstGeom prst="rect">
+            <a:avLst/>
+          </a:prstGeom>
+          <a:noFill/>
+          <a:ln>
+            <a:noFill/>
+          </a:ln>
+        </p:spPr>
+        <p:txBody>
+          <a:bodyPr spcFirstLastPara="1" wrap="square" lIns="91425" tIns="91425" rIns="91425" bIns="91425" anchor="t" anchorCtr="0">
+            <a:noAutofit/>
+          </a:bodyPr>
+          <a:lstStyle/>
+          <a:p>
+            <a:pPr lvl="2">
+              <a:lnSpc>
+                <a:spcPct val="150000"/>
+              </a:lnSpc>
+              <a:buFont typeface="Arial" pitchFamily="34" charset="0"/>
+              <a:buChar char="•"/>
+            </a:pPr>
+            <a:r>
+              <a:rPr lang="en-US" sz="1600" u="sng" dirty="0">
+                <a:solidFill>
+                  <a:schemeClr val="tx1"/>
+                </a:solidFill>
+              </a:rPr>
+              <a:t>exe file</a:t>
+            </a:r>
+            <a:r>
+              <a:rPr lang="en-US" sz="1600" dirty="0">
+                <a:solidFill>
+                  <a:schemeClr val="tx1"/>
+                </a:solidFill>
+              </a:rPr>
+              <a:t>      This exe file for our Compiler.</a:t>
+            </a:r>
+          </a:p>
+          <a:p>
+            <a:pPr lvl="2">
+              <a:lnSpc>
+                <a:spcPct val="150000"/>
+              </a:lnSpc>
+              <a:buFont typeface="Arial" pitchFamily="34" charset="0"/>
+              <a:buChar char="•"/>
+            </a:pPr>
+            <a:r>
+              <a:rPr lang="en-US" sz="1600" u="sng" dirty="0">
+                <a:solidFill>
+                  <a:schemeClr val="tx1"/>
+                </a:solidFill>
+              </a:rPr>
+              <a:t>Lex_Rule</a:t>
+            </a:r>
+            <a:r>
+              <a:rPr lang="en-US" sz="1600" dirty="0">
+                <a:solidFill>
+                  <a:schemeClr val="tx1"/>
+                </a:solidFill>
+              </a:rPr>
+              <a:t>	This file is lexical analysis for expressions. (Written in lex)</a:t>
+            </a:r>
+          </a:p>
+          <a:p>
+            <a:pPr lvl="2">
+              <a:lnSpc>
+                <a:spcPct val="150000"/>
+              </a:lnSpc>
+              <a:buFont typeface="Arial" pitchFamily="34" charset="0"/>
+              <a:buChar char="•"/>
+            </a:pPr>
+            <a:r>
+              <a:rPr lang="en-US" sz="1600" u="sng" dirty="0">
+                <a:solidFill>
+                  <a:schemeClr val="tx1"/>
+                </a:solidFill>
+              </a:rPr>
+              <a:t>Bison_Rule.tab</a:t>
+            </a:r>
+            <a:r>
+              <a:rPr lang="en-US" sz="1600" dirty="0">
+                <a:solidFill>
+                  <a:schemeClr val="tx1"/>
+                </a:solidFill>
+              </a:rPr>
+              <a:t>     This file is generated by </a:t>
+            </a:r>
+            <a:r>
+              <a:rPr lang="en-US" sz="1600" u="sng" dirty="0">
+                <a:solidFill>
+                  <a:schemeClr val="tx1"/>
+                </a:solidFill>
+              </a:rPr>
+              <a:t>Bison_Rule</a:t>
+            </a:r>
+            <a:r>
+              <a:rPr lang="en-US" sz="1600" dirty="0">
+                <a:solidFill>
+                  <a:schemeClr val="tx1"/>
+                </a:solidFill>
+              </a:rPr>
+              <a:t> file(Parser) (Written in C)</a:t>
+            </a:r>
+          </a:p>
+          <a:p>
+            <a:pPr lvl="2">
+              <a:lnSpc>
+                <a:spcPct val="150000"/>
+              </a:lnSpc>
+              <a:buFont typeface="Arial" pitchFamily="34" charset="0"/>
+              <a:buChar char="•"/>
+            </a:pPr>
+            <a:r>
+              <a:rPr lang="en-US" sz="1600" u="sng" dirty="0">
+                <a:solidFill>
+                  <a:schemeClr val="tx1"/>
+                </a:solidFill>
+              </a:rPr>
+              <a:t>Bison_Rule.tab.h</a:t>
+            </a:r>
+            <a:r>
+              <a:rPr lang="en-US" sz="1600" dirty="0">
+                <a:solidFill>
+                  <a:schemeClr val="tx1"/>
+                </a:solidFill>
+              </a:rPr>
+              <a:t>This file is generated by </a:t>
+            </a:r>
+            <a:r>
+              <a:rPr lang="en-US" sz="1600" u="sng" dirty="0">
+                <a:solidFill>
+                  <a:schemeClr val="tx1"/>
+                </a:solidFill>
+              </a:rPr>
+              <a:t>Bison_Rule</a:t>
+            </a:r>
+            <a:r>
+              <a:rPr lang="en-US" sz="1600" dirty="0">
+                <a:solidFill>
+                  <a:schemeClr val="tx1"/>
+                </a:solidFill>
+              </a:rPr>
+              <a:t> file (header file)</a:t>
+            </a:r>
+          </a:p>
+          <a:p>
+            <a:pPr lvl="2">
+              <a:lnSpc>
+                <a:spcPct val="150000"/>
+              </a:lnSpc>
+              <a:buFont typeface="Arial" pitchFamily="34" charset="0"/>
+              <a:buChar char="•"/>
+            </a:pPr>
+            <a:r>
+              <a:rPr lang="en-US" sz="1600" u="sng" dirty="0">
+                <a:solidFill>
+                  <a:schemeClr val="tx1"/>
+                </a:solidFill>
+              </a:rPr>
+              <a:t>Bison_Rule.y</a:t>
+            </a:r>
+            <a:r>
+              <a:rPr lang="en-US" sz="1600" dirty="0">
+                <a:solidFill>
+                  <a:schemeClr val="tx1"/>
+                </a:solidFill>
+              </a:rPr>
+              <a:t>	       This file have Grammar Section (Written in Yacc)</a:t>
+            </a:r>
+          </a:p>
+          <a:p>
+            <a:pPr lvl="2">
+              <a:lnSpc>
+                <a:spcPct val="150000"/>
+              </a:lnSpc>
+              <a:buFont typeface="Arial" pitchFamily="34" charset="0"/>
+              <a:buChar char="•"/>
+            </a:pPr>
+            <a:r>
+              <a:rPr lang="en-US" sz="1600" u="sng" dirty="0">
+                <a:solidFill>
+                  <a:schemeClr val="tx1"/>
+                </a:solidFill>
+              </a:rPr>
+              <a:t>lex.yy.c</a:t>
+            </a:r>
+            <a:r>
+              <a:rPr lang="en-US" sz="1600" dirty="0">
+                <a:solidFill>
+                  <a:schemeClr val="tx1"/>
+                </a:solidFill>
+              </a:rPr>
+              <a:t>     This file is generated by </a:t>
+            </a:r>
+            <a:r>
+              <a:rPr lang="en-US" sz="1600" u="sng" dirty="0">
+                <a:solidFill>
+                  <a:schemeClr val="tx1"/>
+                </a:solidFill>
+              </a:rPr>
+              <a:t>Bison_Rule</a:t>
+            </a:r>
+            <a:r>
+              <a:rPr lang="en-US" sz="1600" dirty="0">
+                <a:solidFill>
+                  <a:schemeClr val="tx1"/>
+                </a:solidFill>
+              </a:rPr>
+              <a:t> file (Written in C)</a:t>
+            </a:r>
+          </a:p>
+          <a:p>
+            <a:pPr lvl="2">
+              <a:lnSpc>
+                <a:spcPct val="150000"/>
+              </a:lnSpc>
+              <a:buFont typeface="Arial" pitchFamily="34" charset="0"/>
+              <a:buChar char="•"/>
+            </a:pPr>
+            <a:r>
+              <a:rPr lang="en-US" sz="1600" u="sng" dirty="0">
+                <a:solidFill>
+                  <a:schemeClr val="tx1"/>
+                </a:solidFill>
+              </a:rPr>
+              <a:t>runner</a:t>
+            </a:r>
+            <a:r>
+              <a:rPr lang="en-US" sz="1600" dirty="0">
+                <a:solidFill>
+                  <a:schemeClr val="tx1"/>
+                </a:solidFill>
+              </a:rPr>
+              <a:t>       This file is Default Output file for program (Assembly language)</a:t>
+            </a:r>
+          </a:p>
+        </p:txBody>
+      </p:sp>
+    </p:spTree>
+  </p:cSld>
+  <p:clrMapOvr>
+    <a:masterClrMapping/>
+  </p:clrMapOvr>
+</p:sld>
+</file>
+
+<file path=ppt/slides/slide21.xml><?xml version="1.0" encoding="utf-8"?>
+<p:sld xmlns:a="http://schemas.openxmlformats.org/drawingml/2006/main" xmlns:r="http://schemas.openxmlformats.org/officeDocument/2006/relationships" xmlns:p="http://schemas.openxmlformats.org/presentationml/2006/main">
+  <p:cSld>
+    <p:spTree>
+      <p:nvGrpSpPr>
         <p:cNvPr id="1" name="Shape 171"/>
         <p:cNvGrpSpPr/>
         <p:nvPr/>
@@ -11263,7 +11668,7 @@
                 <a:buSzPts val="1300"/>
                 <a:buNone/>
               </a:pPr>
-              <a:t>20</a:t>
+              <a:t>21</a:t>
             </a:fld>
             <a:endParaRPr/>
           </a:p>
@@ -11577,7 +11982,7 @@
 </p:sld>
 </file>
 
-<file path=ppt/slides/slide21.xml><?xml version="1.0" encoding="utf-8"?>
+<file path=ppt/slides/slide22.xml><?xml version="1.0" encoding="utf-8"?>
 <p:sld xmlns:a="http://schemas.openxmlformats.org/drawingml/2006/main" xmlns:r="http://schemas.openxmlformats.org/officeDocument/2006/relationships" xmlns:p="http://schemas.openxmlformats.org/presentationml/2006/main">
   <p:cSld>
     <p:bg>
@@ -11813,7 +12218,7 @@
                 <a:buFont typeface="Arial"/>
                 <a:buNone/>
               </a:pPr>
-              <a:t>21</a:t>
+              <a:t>22</a:t>
             </a:fld>
             <a:endParaRPr/>
           </a:p>
@@ -12363,7 +12768,7 @@
 </p:sld>
 </file>
 
-<file path=ppt/slides/slide22.xml><?xml version="1.0" encoding="utf-8"?>
+<file path=ppt/slides/slide23.xml><?xml version="1.0" encoding="utf-8"?>
 <p:sld xmlns:a="http://schemas.openxmlformats.org/drawingml/2006/main" xmlns:r="http://schemas.openxmlformats.org/officeDocument/2006/relationships" xmlns:p="http://schemas.openxmlformats.org/presentationml/2006/main">
   <p:cSld>
     <p:spTree>
@@ -12969,414 +13374,9 @@
                 <a:buFont typeface="Arial"/>
                 <a:buNone/>
               </a:pPr>
-              <a:t>22</a:t>
-            </a:fld>
-            <a:endParaRPr/>
-          </a:p>
-        </p:txBody>
-      </p:sp>
-    </p:spTree>
-  </p:cSld>
-  <p:clrMapOvr>
-    <a:masterClrMapping/>
-  </p:clrMapOvr>
-</p:sld>
-</file>
-
-<file path=ppt/slides/slide23.xml><?xml version="1.0" encoding="utf-8"?>
-<p:sld xmlns:a="http://schemas.openxmlformats.org/drawingml/2006/main" xmlns:r="http://schemas.openxmlformats.org/officeDocument/2006/relationships" xmlns:p="http://schemas.openxmlformats.org/presentationml/2006/main">
-  <p:cSld>
-    <p:spTree>
-      <p:nvGrpSpPr>
-        <p:cNvPr id="1" name="Shape 210"/>
-        <p:cNvGrpSpPr/>
-        <p:nvPr/>
-      </p:nvGrpSpPr>
-      <p:grpSpPr>
-        <a:xfrm>
-          <a:off x="0" y="0"/>
-          <a:ext cx="0" cy="0"/>
-          <a:chOff x="0" y="0"/>
-          <a:chExt cx="0" cy="0"/>
-        </a:xfrm>
-      </p:grpSpPr>
-      <p:sp>
-        <p:nvSpPr>
-          <p:cNvPr id="211" name="Google Shape;211;p26"/>
-          <p:cNvSpPr txBox="1">
-            <a:spLocks noGrp="1"/>
-          </p:cNvSpPr>
-          <p:nvPr>
-            <p:ph type="ctrTitle"/>
-          </p:nvPr>
-        </p:nvSpPr>
-        <p:spPr>
-          <a:xfrm>
-            <a:off x="1672875" y="458325"/>
-            <a:ext cx="5544000" cy="2113500"/>
-          </a:xfrm>
-          <a:prstGeom prst="rect">
-            <a:avLst/>
-          </a:prstGeom>
-        </p:spPr>
-        <p:txBody>
-          <a:bodyPr spcFirstLastPara="1" wrap="square" lIns="91425" tIns="91425" rIns="91425" bIns="91425" anchor="b" anchorCtr="0">
-            <a:noAutofit/>
-          </a:bodyPr>
-          <a:lstStyle/>
-          <a:p>
-            <a:pPr marL="0" lvl="0" indent="0" algn="ctr" rtl="0">
-              <a:spcBef>
-                <a:spcPts val="0"/>
-              </a:spcBef>
-              <a:spcAft>
-                <a:spcPts val="0"/>
-              </a:spcAft>
-              <a:buNone/>
-            </a:pPr>
-            <a:r>
-              <a:rPr lang="en-US" sz="3200" b="1" dirty="0">
-                <a:solidFill>
-                  <a:srgbClr val="00B0F0"/>
-                </a:solidFill>
-                <a:latin typeface="Bodoni"/>
-                <a:ea typeface="Bodoni"/>
-                <a:cs typeface="Times New Roman" panose="02020603050405020304" pitchFamily="18" charset="0"/>
-                <a:sym typeface="Bodoni"/>
-              </a:rPr>
-              <a:t>FILE STRUCTURE OF PROJECT :-</a:t>
-            </a:r>
-            <a:endParaRPr sz="3200" b="1" dirty="0">
-              <a:solidFill>
-                <a:srgbClr val="00B0F0"/>
-              </a:solidFill>
-              <a:latin typeface="Bodoni"/>
-              <a:ea typeface="Bodoni"/>
-              <a:cs typeface="Times New Roman" panose="02020603050405020304" pitchFamily="18" charset="0"/>
-              <a:sym typeface="Bodoni"/>
-            </a:endParaRPr>
-          </a:p>
-          <a:p>
-            <a:pPr marL="0" lvl="0" indent="0" algn="ctr" rtl="0">
-              <a:spcBef>
-                <a:spcPts val="0"/>
-              </a:spcBef>
-              <a:spcAft>
-                <a:spcPts val="0"/>
-              </a:spcAft>
-              <a:buNone/>
-            </a:pPr>
-            <a:endParaRPr dirty="0"/>
-          </a:p>
-        </p:txBody>
-      </p:sp>
-      <p:sp>
-        <p:nvSpPr>
-          <p:cNvPr id="212" name="Google Shape;212;p26"/>
-          <p:cNvSpPr txBox="1">
-            <a:spLocks noGrp="1"/>
-          </p:cNvSpPr>
-          <p:nvPr>
-            <p:ph type="sldNum" idx="12"/>
-          </p:nvPr>
-        </p:nvSpPr>
-        <p:spPr>
-          <a:xfrm>
-            <a:off x="4348076" y="4726751"/>
-            <a:ext cx="548700" cy="299100"/>
-          </a:xfrm>
-          <a:prstGeom prst="rect">
-            <a:avLst/>
-          </a:prstGeom>
-        </p:spPr>
-        <p:txBody>
-          <a:bodyPr spcFirstLastPara="1" wrap="square" lIns="91425" tIns="91425" rIns="91425" bIns="91425" anchor="t" anchorCtr="0">
-            <a:noAutofit/>
-          </a:bodyPr>
-          <a:lstStyle/>
-          <a:p>
-            <a:pPr marL="0" lvl="0" indent="0" algn="ctr" rtl="0">
-              <a:spcBef>
-                <a:spcPts val="0"/>
-              </a:spcBef>
-              <a:spcAft>
-                <a:spcPts val="0"/>
-              </a:spcAft>
-              <a:buClr>
-                <a:srgbClr val="000000"/>
-              </a:buClr>
-              <a:buSzPts val="1300"/>
-              <a:buFont typeface="Arial"/>
-              <a:buNone/>
-            </a:pPr>
-            <a:fld id="{00000000-1234-1234-1234-123412341234}" type="slidenum">
-              <a:rPr lang="en-US"/>
-              <a:pPr marL="0" lvl="0" indent="0" algn="ctr" rtl="0">
-                <a:spcBef>
-                  <a:spcPts val="0"/>
-                </a:spcBef>
-                <a:spcAft>
-                  <a:spcPts val="0"/>
-                </a:spcAft>
-                <a:buClr>
-                  <a:srgbClr val="000000"/>
-                </a:buClr>
-                <a:buSzPts val="1300"/>
-                <a:buFont typeface="Arial"/>
-                <a:buNone/>
-              </a:pPr>
               <a:t>23</a:t>
             </a:fld>
             <a:endParaRPr/>
-          </a:p>
-        </p:txBody>
-      </p:sp>
-      <p:sp>
-        <p:nvSpPr>
-          <p:cNvPr id="213" name="Google Shape;213;p26"/>
-          <p:cNvSpPr txBox="1"/>
-          <p:nvPr/>
-        </p:nvSpPr>
-        <p:spPr>
-          <a:xfrm>
-            <a:off x="846025" y="1928475"/>
-            <a:ext cx="7906200" cy="3686700"/>
-          </a:xfrm>
-          <a:prstGeom prst="rect">
-            <a:avLst/>
-          </a:prstGeom>
-          <a:noFill/>
-          <a:ln>
-            <a:noFill/>
-          </a:ln>
-        </p:spPr>
-        <p:txBody>
-          <a:bodyPr spcFirstLastPara="1" wrap="square" lIns="91425" tIns="91425" rIns="91425" bIns="91425" anchor="t" anchorCtr="0">
-            <a:noAutofit/>
-          </a:bodyPr>
-          <a:lstStyle/>
-          <a:p>
-            <a:pPr lvl="2">
-              <a:lnSpc>
-                <a:spcPct val="150000"/>
-              </a:lnSpc>
-              <a:buFont typeface="Arial" pitchFamily="34" charset="0"/>
-              <a:buChar char="•"/>
-            </a:pPr>
-            <a:r>
-              <a:rPr lang="en-US" sz="1600" u="sng" dirty="0">
-                <a:solidFill>
-                  <a:schemeClr val="tx1"/>
-                </a:solidFill>
-              </a:rPr>
-              <a:t>exe file</a:t>
-            </a:r>
-            <a:r>
-              <a:rPr lang="en-US" sz="1600" dirty="0">
-                <a:solidFill>
-                  <a:schemeClr val="tx1"/>
-                </a:solidFill>
-              </a:rPr>
-              <a:t>      This exe file for our Compiler.</a:t>
-            </a:r>
-          </a:p>
-          <a:p>
-            <a:pPr lvl="2">
-              <a:lnSpc>
-                <a:spcPct val="150000"/>
-              </a:lnSpc>
-              <a:buFont typeface="Arial" pitchFamily="34" charset="0"/>
-              <a:buChar char="•"/>
-            </a:pPr>
-            <a:r>
-              <a:rPr lang="en-US" sz="1600" u="sng" dirty="0">
-                <a:solidFill>
-                  <a:schemeClr val="tx1"/>
-                </a:solidFill>
-              </a:rPr>
-              <a:t>Lex_Rule</a:t>
-            </a:r>
-            <a:r>
-              <a:rPr lang="en-US" sz="1600" dirty="0">
-                <a:solidFill>
-                  <a:schemeClr val="tx1"/>
-                </a:solidFill>
-              </a:rPr>
-              <a:t>	This file is lexical analysis for expressions. (Written in lex)</a:t>
-            </a:r>
-          </a:p>
-          <a:p>
-            <a:pPr lvl="2">
-              <a:lnSpc>
-                <a:spcPct val="150000"/>
-              </a:lnSpc>
-              <a:buFont typeface="Arial" pitchFamily="34" charset="0"/>
-              <a:buChar char="•"/>
-            </a:pPr>
-            <a:r>
-              <a:rPr lang="en-US" sz="1600" u="sng" dirty="0">
-                <a:solidFill>
-                  <a:schemeClr val="tx1"/>
-                </a:solidFill>
-              </a:rPr>
-              <a:t>Bison_Rule.tab</a:t>
-            </a:r>
-            <a:r>
-              <a:rPr lang="en-US" sz="1600" dirty="0">
-                <a:solidFill>
-                  <a:schemeClr val="tx1"/>
-                </a:solidFill>
-              </a:rPr>
-              <a:t>     This file is generated by </a:t>
-            </a:r>
-            <a:r>
-              <a:rPr lang="en-US" sz="1600" u="sng" dirty="0">
-                <a:solidFill>
-                  <a:schemeClr val="tx1"/>
-                </a:solidFill>
-              </a:rPr>
-              <a:t>Bison_Rule</a:t>
-            </a:r>
-            <a:r>
-              <a:rPr lang="en-US" sz="1600" dirty="0">
-                <a:solidFill>
-                  <a:schemeClr val="tx1"/>
-                </a:solidFill>
-              </a:rPr>
-              <a:t> file(Parser) (Written in C)</a:t>
-            </a:r>
-          </a:p>
-          <a:p>
-            <a:pPr lvl="2">
-              <a:lnSpc>
-                <a:spcPct val="150000"/>
-              </a:lnSpc>
-              <a:buFont typeface="Arial" pitchFamily="34" charset="0"/>
-              <a:buChar char="•"/>
-            </a:pPr>
-            <a:r>
-              <a:rPr lang="en-US" sz="1600" u="sng" dirty="0">
-                <a:solidFill>
-                  <a:schemeClr val="tx1"/>
-                </a:solidFill>
-              </a:rPr>
-              <a:t>Bison_Rule.tab.h</a:t>
-            </a:r>
-            <a:r>
-              <a:rPr lang="en-US" sz="1600" dirty="0">
-                <a:solidFill>
-                  <a:schemeClr val="tx1"/>
-                </a:solidFill>
-              </a:rPr>
-              <a:t>This file is generated by </a:t>
-            </a:r>
-            <a:r>
-              <a:rPr lang="en-US" sz="1600" u="sng" dirty="0">
-                <a:solidFill>
-                  <a:schemeClr val="tx1"/>
-                </a:solidFill>
-              </a:rPr>
-              <a:t>Bison_Rule</a:t>
-            </a:r>
-            <a:r>
-              <a:rPr lang="en-US" sz="1600" dirty="0">
-                <a:solidFill>
-                  <a:schemeClr val="tx1"/>
-                </a:solidFill>
-              </a:rPr>
-              <a:t> file (header file)</a:t>
-            </a:r>
-          </a:p>
-          <a:p>
-            <a:pPr lvl="2">
-              <a:lnSpc>
-                <a:spcPct val="150000"/>
-              </a:lnSpc>
-              <a:buFont typeface="Arial" pitchFamily="34" charset="0"/>
-              <a:buChar char="•"/>
-            </a:pPr>
-            <a:r>
-              <a:rPr lang="en-US" sz="1600" u="sng" dirty="0">
-                <a:solidFill>
-                  <a:schemeClr val="tx1"/>
-                </a:solidFill>
-              </a:rPr>
-              <a:t>Bison_Rule.y</a:t>
-            </a:r>
-            <a:r>
-              <a:rPr lang="en-US" sz="1600" dirty="0">
-                <a:solidFill>
-                  <a:schemeClr val="tx1"/>
-                </a:solidFill>
-              </a:rPr>
-              <a:t>	       This file have Grammar Section (Written in Yacc)</a:t>
-            </a:r>
-          </a:p>
-          <a:p>
-            <a:pPr lvl="2">
-              <a:lnSpc>
-                <a:spcPct val="150000"/>
-              </a:lnSpc>
-              <a:buFont typeface="Arial" pitchFamily="34" charset="0"/>
-              <a:buChar char="•"/>
-            </a:pPr>
-            <a:r>
-              <a:rPr lang="en-US" sz="1600" u="sng" dirty="0">
-                <a:solidFill>
-                  <a:schemeClr val="tx1"/>
-                </a:solidFill>
-              </a:rPr>
-              <a:t>lex.yy.c</a:t>
-            </a:r>
-            <a:r>
-              <a:rPr lang="en-US" sz="1600" dirty="0">
-                <a:solidFill>
-                  <a:schemeClr val="tx1"/>
-                </a:solidFill>
-              </a:rPr>
-              <a:t>     This file is generated by </a:t>
-            </a:r>
-            <a:r>
-              <a:rPr lang="en-US" sz="1600" u="sng" dirty="0">
-                <a:solidFill>
-                  <a:schemeClr val="tx1"/>
-                </a:solidFill>
-              </a:rPr>
-              <a:t>Bison_Rule</a:t>
-            </a:r>
-            <a:r>
-              <a:rPr lang="en-US" sz="1600" dirty="0">
-                <a:solidFill>
-                  <a:schemeClr val="tx1"/>
-                </a:solidFill>
-              </a:rPr>
-              <a:t> file (Written in C)</a:t>
-            </a:r>
-          </a:p>
-          <a:p>
-            <a:pPr lvl="2">
-              <a:lnSpc>
-                <a:spcPct val="150000"/>
-              </a:lnSpc>
-              <a:buFont typeface="Arial" pitchFamily="34" charset="0"/>
-              <a:buChar char="•"/>
-            </a:pPr>
-            <a:r>
-              <a:rPr lang="en-US" sz="1600" u="sng" dirty="0">
-                <a:solidFill>
-                  <a:schemeClr val="tx1"/>
-                </a:solidFill>
-              </a:rPr>
-              <a:t>runner</a:t>
-            </a:r>
-            <a:r>
-              <a:rPr lang="en-US" sz="1600" dirty="0">
-                <a:solidFill>
-                  <a:schemeClr val="tx1"/>
-                </a:solidFill>
-              </a:rPr>
-              <a:t>       This file is Default Output file for program (Assembly language)</a:t>
-            </a:r>
           </a:p>
         </p:txBody>
       </p:sp>
@@ -13877,8 +13877,8 @@
         </p:nvSpPr>
         <p:spPr>
           <a:xfrm>
-            <a:off x="609600" y="1065690"/>
-            <a:ext cx="7924800" cy="3605701"/>
+            <a:off x="609600" y="858740"/>
+            <a:ext cx="7924800" cy="3733138"/>
           </a:xfrm>
           <a:prstGeom prst="rect">
             <a:avLst/>
@@ -14170,6 +14170,52 @@
               </a:rPr>
               <a:t> 	3. Constant Expression</a:t>
             </a:r>
+          </a:p>
+          <a:p>
+            <a:pPr marL="285750" marR="0" lvl="0" indent="-285750" algn="l" rtl="0">
+              <a:lnSpc>
+                <a:spcPct val="100000"/>
+              </a:lnSpc>
+              <a:spcBef>
+                <a:spcPts val="600"/>
+              </a:spcBef>
+              <a:spcAft>
+                <a:spcPts val="0"/>
+              </a:spcAft>
+              <a:buClr>
+                <a:schemeClr val="accent1"/>
+              </a:buClr>
+              <a:buSzPct val="120000"/>
+              <a:buFont typeface="Wingdings" panose="05000000000000000000" pitchFamily="2" charset="2"/>
+              <a:buChar char="§"/>
+            </a:pPr>
+            <a:r>
+              <a:rPr lang="en-IN" sz="1600" dirty="0">
+                <a:solidFill>
+                  <a:schemeClr val="tx2">
+                    <a:lumMod val="50000"/>
+                  </a:schemeClr>
+                </a:solidFill>
+              </a:rPr>
+              <a:t>Our Solution</a:t>
+            </a:r>
+          </a:p>
+          <a:p>
+            <a:pPr marL="285750" indent="-285750">
+              <a:buSzPct val="120000"/>
+              <a:buFont typeface="Wingdings" panose="05000000000000000000" pitchFamily="2" charset="2"/>
+              <a:buChar char="§"/>
+            </a:pPr>
+            <a:r>
+              <a:rPr lang="en-IN" sz="1600" dirty="0">
+                <a:solidFill>
+                  <a:schemeClr val="tx2">
+                    <a:lumMod val="50000"/>
+                  </a:schemeClr>
+                </a:solidFill>
+              </a:rPr>
+              <a:t>File structure of project </a:t>
+            </a:r>
             <a:endParaRPr sz="1600" dirty="0">
               <a:solidFill>
                 <a:schemeClr val="tx2">
@@ -14209,39 +14255,6 @@
                 <a:sym typeface="Arial"/>
               </a:rPr>
               <a:t>  Software's Used</a:t>
-            </a:r>
-          </a:p>
-          <a:p>
-            <a:pPr marL="0" marR="0" lvl="0" indent="-152400" algn="l" rtl="0">
-              <a:lnSpc>
-                <a:spcPct val="100000"/>
-              </a:lnSpc>
-              <a:spcBef>
-                <a:spcPts val="600"/>
-              </a:spcBef>
-              <a:spcAft>
-                <a:spcPts val="0"/>
-              </a:spcAft>
-              <a:buClr>
-                <a:schemeClr val="accent1"/>
-              </a:buClr>
-              <a:buSzPts val="2400"/>
-              <a:buFont typeface="Noto Sans Symbols"/>
-              <a:buChar char="▪"/>
-            </a:pPr>
-            <a:r>
-              <a:rPr lang="en-US" sz="1600" dirty="0">
-                <a:solidFill>
-                  <a:schemeClr val="tx2">
-                    <a:lumMod val="50000"/>
-                  </a:schemeClr>
-                </a:solidFill>
-                <a:latin typeface="Arial"/>
-                <a:ea typeface="Arial"/>
-                <a:cs typeface="Arial"/>
-                <a:sym typeface="Arial"/>
-              </a:rPr>
-              <a:t>  File structure</a:t>
             </a:r>
           </a:p>
           <a:p>
